--- a/Data_Analytics_2018/PPT/Lesson 22 - Data Analytics - Topic Modeling.pptx
+++ b/Data_Analytics_2018/PPT/Lesson 22 - Data Analytics - Topic Modeling.pptx
@@ -2,7 +2,7 @@
 <file path=ppt/presentation.xml><?xml version="1.0" encoding="utf-8"?>
 <p:presentation xmlns:a="http://schemas.openxmlformats.org/drawingml/2006/main" xmlns:r="http://schemas.openxmlformats.org/officeDocument/2006/relationships" xmlns:p="http://schemas.openxmlformats.org/presentationml/2006/main" showSpecialPlsOnTitleSld="0" saveSubsetFonts="1" bookmarkIdSeed="2">
   <p:sldMasterIdLst>
-    <p:sldMasterId id="2147483661" r:id="rId1"/>
+    <p:sldMasterId id="2147483674" r:id="rId1"/>
   </p:sldMasterIdLst>
   <p:notesMasterIdLst>
     <p:notesMasterId r:id="rId21"/>
@@ -221,7 +221,7 @@
           <a:p>
             <a:fld id="{12E2E0BF-1E19-48CE-A5B4-11AA1325EE0B}" type="datetimeFigureOut">
               <a:rPr lang="en-US" smtClean="0"/>
-              <a:t>8/1/2018</a:t>
+              <a:t>8/11/2018</a:t>
             </a:fld>
             <a:endParaRPr lang="en-US" dirty="0"/>
           </a:p>
@@ -386,7 +386,7 @@
           <a:p>
             <a:fld id="{B3E6BC81-1184-4954-A4F1-6E56C89D84BE}" type="datetimeFigureOut">
               <a:rPr lang="en-US" smtClean="0"/>
-              <a:t>8/1/2018</a:t>
+              <a:t>8/11/2018</a:t>
             </a:fld>
             <a:endParaRPr lang="en-US" dirty="0"/>
           </a:p>
@@ -786,7 +786,7 @@
         </p:nvSpPr>
         <p:spPr>
           <a:xfrm>
-            <a:off x="152400" y="6443433"/>
+            <a:off x="152400" y="6485768"/>
             <a:ext cx="2743200" cy="365125"/>
           </a:xfrm>
         </p:spPr>
@@ -796,7 +796,7 @@
           <a:p>
             <a:fld id="{A24D462D-0ABF-4F66-AA29-FCADD808DF8B}" type="datetime1">
               <a:rPr lang="en-US" smtClean="0"/>
-              <a:t>8/1/2018</a:t>
+              <a:t>8/11/2018</a:t>
             </a:fld>
             <a:endParaRPr lang="en-US" dirty="0"/>
           </a:p>
@@ -814,7 +814,7 @@
         </p:nvSpPr>
         <p:spPr>
           <a:xfrm>
-            <a:off x="4038600" y="6443434"/>
+            <a:off x="4038600" y="6485769"/>
             <a:ext cx="4114800" cy="365125"/>
           </a:xfrm>
         </p:spPr>
@@ -842,7 +842,7 @@
         </p:nvSpPr>
         <p:spPr>
           <a:xfrm>
-            <a:off x="9361714" y="6443432"/>
+            <a:off x="9361714" y="6485767"/>
             <a:ext cx="2743200" cy="365125"/>
           </a:xfrm>
         </p:spPr>
@@ -861,7 +861,7 @@
     </p:spTree>
     <p:extLst>
       <p:ext uri="{BB962C8B-B14F-4D97-AF65-F5344CB8AC3E}">
-        <p14:creationId xmlns:p14="http://schemas.microsoft.com/office/powerpoint/2010/main" val="4131177693"/>
+        <p14:creationId xmlns:p14="http://schemas.microsoft.com/office/powerpoint/2010/main" val="1317881833"/>
       </p:ext>
     </p:extLst>
   </p:cSld>
@@ -1067,7 +1067,7 @@
             <a:fld id="{E07E8265-18F4-4680-A16E-90ED1CF19BF4}" type="datetime1">
               <a:rPr lang="en-US" smtClean="0"/>
               <a:pPr/>
-              <a:t>8/1/2018</a:t>
+              <a:t>8/11/2018</a:t>
             </a:fld>
             <a:endParaRPr lang="en-US" dirty="0"/>
           </a:p>
@@ -1123,7 +1123,7 @@
     </p:spTree>
     <p:extLst>
       <p:ext uri="{BB962C8B-B14F-4D97-AF65-F5344CB8AC3E}">
-        <p14:creationId xmlns:p14="http://schemas.microsoft.com/office/powerpoint/2010/main" val="2396853662"/>
+        <p14:creationId xmlns:p14="http://schemas.microsoft.com/office/powerpoint/2010/main" val="1368170720"/>
       </p:ext>
     </p:extLst>
   </p:cSld>
@@ -1246,7 +1246,7 @@
             <a:fld id="{50A3F95B-AA19-4AF1-8E3F-0C1F80E644D7}" type="datetime1">
               <a:rPr lang="en-US" smtClean="0"/>
               <a:pPr/>
-              <a:t>8/1/2018</a:t>
+              <a:t>8/11/2018</a:t>
             </a:fld>
             <a:endParaRPr lang="en-US" dirty="0"/>
           </a:p>
@@ -1302,7 +1302,7 @@
     </p:spTree>
     <p:extLst>
       <p:ext uri="{BB962C8B-B14F-4D97-AF65-F5344CB8AC3E}">
-        <p14:creationId xmlns:p14="http://schemas.microsoft.com/office/powerpoint/2010/main" val="4113318777"/>
+        <p14:creationId xmlns:p14="http://schemas.microsoft.com/office/powerpoint/2010/main" val="1935707925"/>
       </p:ext>
     </p:extLst>
   </p:cSld>
@@ -1429,7 +1429,7 @@
           <a:p>
             <a:fld id="{CCDBCEF4-92B1-4F4B-B523-BAFBFD103FD6}" type="datetime1">
               <a:rPr lang="en-US" smtClean="0"/>
-              <a:t>8/1/2018</a:t>
+              <a:t>8/11/2018</a:t>
             </a:fld>
             <a:endParaRPr lang="en-US" dirty="0"/>
           </a:p>
@@ -1484,7 +1484,7 @@
     </p:spTree>
     <p:extLst>
       <p:ext uri="{BB962C8B-B14F-4D97-AF65-F5344CB8AC3E}">
-        <p14:creationId xmlns:p14="http://schemas.microsoft.com/office/powerpoint/2010/main" val="2106718645"/>
+        <p14:creationId xmlns:p14="http://schemas.microsoft.com/office/powerpoint/2010/main" val="283660345"/>
       </p:ext>
     </p:extLst>
   </p:cSld>
@@ -1655,7 +1655,7 @@
             <a:fld id="{13570084-B57A-493D-8A30-572F2D9F55F8}" type="datetime1">
               <a:rPr lang="en-US" smtClean="0"/>
               <a:pPr/>
-              <a:t>8/1/2018</a:t>
+              <a:t>8/11/2018</a:t>
             </a:fld>
             <a:endParaRPr lang="en-US" dirty="0"/>
           </a:p>
@@ -1735,7 +1735,7 @@
     </p:spTree>
     <p:extLst>
       <p:ext uri="{BB962C8B-B14F-4D97-AF65-F5344CB8AC3E}">
-        <p14:creationId xmlns:p14="http://schemas.microsoft.com/office/powerpoint/2010/main" val="841845874"/>
+        <p14:creationId xmlns:p14="http://schemas.microsoft.com/office/powerpoint/2010/main" val="3935180635"/>
       </p:ext>
     </p:extLst>
   </p:cSld>
@@ -1861,7 +1861,7 @@
             <a:fld id="{13570084-B57A-493D-8A30-572F2D9F55F8}" type="datetime1">
               <a:rPr lang="en-US" smtClean="0"/>
               <a:pPr/>
-              <a:t>8/1/2018</a:t>
+              <a:t>8/11/2018</a:t>
             </a:fld>
             <a:endParaRPr lang="en-US" dirty="0"/>
           </a:p>
@@ -1941,7 +1941,7 @@
     </p:spTree>
     <p:extLst>
       <p:ext uri="{BB962C8B-B14F-4D97-AF65-F5344CB8AC3E}">
-        <p14:creationId xmlns:p14="http://schemas.microsoft.com/office/powerpoint/2010/main" val="1297686926"/>
+        <p14:creationId xmlns:p14="http://schemas.microsoft.com/office/powerpoint/2010/main" val="2680728897"/>
       </p:ext>
     </p:extLst>
   </p:cSld>
@@ -2141,7 +2141,7 @@
             <a:fld id="{8F7D0969-017A-4CFD-B470-B6959400D96E}" type="datetime1">
               <a:rPr lang="en-US" smtClean="0"/>
               <a:pPr/>
-              <a:t>8/1/2018</a:t>
+              <a:t>8/11/2018</a:t>
             </a:fld>
             <a:endParaRPr lang="en-US" dirty="0"/>
           </a:p>
@@ -2197,7 +2197,7 @@
     </p:spTree>
     <p:extLst>
       <p:ext uri="{BB962C8B-B14F-4D97-AF65-F5344CB8AC3E}">
-        <p14:creationId xmlns:p14="http://schemas.microsoft.com/office/powerpoint/2010/main" val="3543363472"/>
+        <p14:creationId xmlns:p14="http://schemas.microsoft.com/office/powerpoint/2010/main" val="2608645216"/>
       </p:ext>
     </p:extLst>
   </p:cSld>
@@ -2243,6 +2243,7 @@
               <a:rPr lang="en-US"/>
               <a:t>Click to edit Master title style</a:t>
             </a:r>
+            <a:endParaRPr lang="en-US" dirty="0"/>
           </a:p>
         </p:txBody>
       </p:sp>
@@ -2258,8 +2259,8 @@
         </p:nvSpPr>
         <p:spPr>
           <a:xfrm>
-            <a:off x="838200" y="1825625"/>
-            <a:ext cx="5181600" cy="4351338"/>
+            <a:off x="406400" y="1354666"/>
+            <a:ext cx="5613400" cy="5046134"/>
           </a:xfrm>
         </p:spPr>
         <p:txBody>
@@ -2366,8 +2367,8 @@
         </p:nvSpPr>
         <p:spPr>
           <a:xfrm>
-            <a:off x="6172200" y="1825625"/>
-            <a:ext cx="5181600" cy="4351338"/>
+            <a:off x="6172199" y="1354666"/>
+            <a:ext cx="5469467" cy="5046134"/>
           </a:xfrm>
         </p:spPr>
         <p:txBody>
@@ -2407,6 +2408,7 @@
               <a:rPr lang="en-US"/>
               <a:t>Fifth level</a:t>
             </a:r>
+            <a:endParaRPr lang="en-US" dirty="0"/>
           </a:p>
         </p:txBody>
       </p:sp>
@@ -2428,7 +2430,7 @@
             <a:fld id="{E7244459-F2A5-4FF9-8125-3DD79827DEF5}" type="datetime1">
               <a:rPr lang="en-US" smtClean="0"/>
               <a:pPr/>
-              <a:t>8/1/2018</a:t>
+              <a:t>8/11/2018</a:t>
             </a:fld>
             <a:endParaRPr lang="en-US" dirty="0"/>
           </a:p>
@@ -2484,7 +2486,7 @@
     </p:spTree>
     <p:extLst>
       <p:ext uri="{BB962C8B-B14F-4D97-AF65-F5344CB8AC3E}">
-        <p14:creationId xmlns:p14="http://schemas.microsoft.com/office/powerpoint/2010/main" val="2871636929"/>
+        <p14:creationId xmlns:p14="http://schemas.microsoft.com/office/powerpoint/2010/main" val="3456613663"/>
       </p:ext>
     </p:extLst>
   </p:cSld>
@@ -2523,8 +2525,8 @@
         </p:nvSpPr>
         <p:spPr>
           <a:xfrm>
-            <a:off x="839788" y="161926"/>
-            <a:ext cx="8536439" cy="1325563"/>
+            <a:off x="381000" y="5555"/>
+            <a:ext cx="10151533" cy="1325563"/>
           </a:xfrm>
         </p:spPr>
         <p:txBody>
@@ -2545,17 +2547,17 @@
             <a:spLocks noGrp="1"/>
           </p:cNvSpPr>
           <p:nvPr>
-            <p:ph type="body" idx="1"/>
+            <p:ph type="body" idx="1" hasCustomPrompt="1"/>
           </p:nvPr>
         </p:nvSpPr>
         <p:spPr>
           <a:xfrm>
-            <a:off x="839788" y="1681163"/>
-            <a:ext cx="5157787" cy="823912"/>
+            <a:off x="381000" y="1444096"/>
+            <a:ext cx="5616575" cy="823912"/>
           </a:xfrm>
         </p:spPr>
         <p:txBody>
-          <a:bodyPr anchor="b"/>
+          <a:bodyPr anchor="ctr"/>
           <a:lstStyle>
             <a:lvl1pPr marL="0" indent="0">
               <a:buNone/>
@@ -2597,8 +2599,8 @@
           <a:p>
             <a:pPr lvl="0"/>
             <a:r>
-              <a:rPr lang="en-US"/>
-              <a:t>Edit Master text styles</a:t>
+              <a:rPr lang="en-US" dirty="0"/>
+              <a:t>Click to edit Master text styles</a:t>
             </a:r>
           </a:p>
         </p:txBody>
@@ -2615,8 +2617,8 @@
         </p:nvSpPr>
         <p:spPr>
           <a:xfrm>
-            <a:off x="839788" y="2505075"/>
-            <a:ext cx="5157787" cy="3684588"/>
+            <a:off x="381000" y="2268007"/>
+            <a:ext cx="5616575" cy="4014259"/>
           </a:xfrm>
         </p:spPr>
         <p:txBody>
@@ -2666,17 +2668,17 @@
             <a:spLocks noGrp="1"/>
           </p:cNvSpPr>
           <p:nvPr>
-            <p:ph type="body" sz="quarter" idx="3"/>
+            <p:ph type="body" sz="quarter" idx="3" hasCustomPrompt="1"/>
           </p:nvPr>
         </p:nvSpPr>
         <p:spPr>
           <a:xfrm>
-            <a:off x="6172200" y="1681163"/>
-            <a:ext cx="5183188" cy="823912"/>
+            <a:off x="6172200" y="1444096"/>
+            <a:ext cx="5638800" cy="823912"/>
           </a:xfrm>
         </p:spPr>
         <p:txBody>
-          <a:bodyPr anchor="b"/>
+          <a:bodyPr anchor="ctr"/>
           <a:lstStyle>
             <a:lvl1pPr marL="0" indent="0">
               <a:buNone/>
@@ -2718,8 +2720,8 @@
           <a:p>
             <a:pPr lvl="0"/>
             <a:r>
-              <a:rPr lang="en-US"/>
-              <a:t>Edit Master text styles</a:t>
+              <a:rPr lang="en-US" dirty="0"/>
+              <a:t>Click to edit Master text styles</a:t>
             </a:r>
           </a:p>
         </p:txBody>
@@ -2736,8 +2738,8 @@
         </p:nvSpPr>
         <p:spPr>
           <a:xfrm>
-            <a:off x="6172200" y="2505075"/>
-            <a:ext cx="5183188" cy="3684588"/>
+            <a:off x="6172199" y="2268007"/>
+            <a:ext cx="5616575" cy="4014259"/>
           </a:xfrm>
         </p:spPr>
         <p:txBody>
@@ -2798,7 +2800,7 @@
             <a:fld id="{B3A53202-F90A-473F-9577-0694CB3DE811}" type="datetime1">
               <a:rPr lang="en-US" smtClean="0"/>
               <a:pPr/>
-              <a:t>8/1/2018</a:t>
+              <a:t>8/11/2018</a:t>
             </a:fld>
             <a:endParaRPr lang="en-US" dirty="0"/>
           </a:p>
@@ -2854,7 +2856,7 @@
     </p:spTree>
     <p:extLst>
       <p:ext uri="{BB962C8B-B14F-4D97-AF65-F5344CB8AC3E}">
-        <p14:creationId xmlns:p14="http://schemas.microsoft.com/office/powerpoint/2010/main" val="3171972496"/>
+        <p14:creationId xmlns:p14="http://schemas.microsoft.com/office/powerpoint/2010/main" val="1106232522"/>
       </p:ext>
     </p:extLst>
   </p:cSld>
@@ -2934,7 +2936,7 @@
             <a:fld id="{64FA1387-E9BD-4269-B052-15A23CD1D16B}" type="datetime1">
               <a:rPr lang="en-US" smtClean="0"/>
               <a:pPr/>
-              <a:t>8/1/2018</a:t>
+              <a:t>8/11/2018</a:t>
             </a:fld>
             <a:endParaRPr lang="en-US" dirty="0"/>
           </a:p>
@@ -3014,7 +3016,7 @@
     </p:spTree>
     <p:extLst>
       <p:ext uri="{BB962C8B-B14F-4D97-AF65-F5344CB8AC3E}">
-        <p14:creationId xmlns:p14="http://schemas.microsoft.com/office/powerpoint/2010/main" val="2106302911"/>
+        <p14:creationId xmlns:p14="http://schemas.microsoft.com/office/powerpoint/2010/main" val="1052005135"/>
       </p:ext>
     </p:extLst>
   </p:cSld>
@@ -3059,7 +3061,7 @@
             <a:fld id="{A197E209-8033-4044-BA05-35D0B8A61D52}" type="datetime1">
               <a:rPr lang="en-US" smtClean="0"/>
               <a:pPr/>
-              <a:t>8/1/2018</a:t>
+              <a:t>8/11/2018</a:t>
             </a:fld>
             <a:endParaRPr lang="en-US" dirty="0"/>
           </a:p>
@@ -3115,7 +3117,7 @@
     </p:spTree>
     <p:extLst>
       <p:ext uri="{BB962C8B-B14F-4D97-AF65-F5344CB8AC3E}">
-        <p14:creationId xmlns:p14="http://schemas.microsoft.com/office/powerpoint/2010/main" val="2897777613"/>
+        <p14:creationId xmlns:p14="http://schemas.microsoft.com/office/powerpoint/2010/main" val="279361165"/>
       </p:ext>
     </p:extLst>
   </p:cSld>
@@ -3340,7 +3342,7 @@
             <a:fld id="{488CFC0E-11F7-458D-9C54-1B7C7C814EDD}" type="datetime1">
               <a:rPr lang="en-US" smtClean="0"/>
               <a:pPr/>
-              <a:t>8/1/2018</a:t>
+              <a:t>8/11/2018</a:t>
             </a:fld>
             <a:endParaRPr lang="en-US" dirty="0"/>
           </a:p>
@@ -3396,7 +3398,7 @@
     </p:spTree>
     <p:extLst>
       <p:ext uri="{BB962C8B-B14F-4D97-AF65-F5344CB8AC3E}">
-        <p14:creationId xmlns:p14="http://schemas.microsoft.com/office/powerpoint/2010/main" val="1027690369"/>
+        <p14:creationId xmlns:p14="http://schemas.microsoft.com/office/powerpoint/2010/main" val="804887424"/>
       </p:ext>
     </p:extLst>
   </p:cSld>
@@ -3573,8 +3575,8 @@
         </p:nvSpPr>
         <p:spPr>
           <a:xfrm>
-            <a:off x="406400" y="91440"/>
-            <a:ext cx="11393714" cy="1234123"/>
+            <a:off x="406400" y="6770"/>
+            <a:ext cx="10049933" cy="1234123"/>
           </a:xfrm>
           <a:prstGeom prst="rect">
             <a:avLst/>
@@ -3605,8 +3607,8 @@
         </p:nvSpPr>
         <p:spPr>
           <a:xfrm>
-            <a:off x="406400" y="1489166"/>
-            <a:ext cx="11393714" cy="4687797"/>
+            <a:off x="406400" y="1337187"/>
+            <a:ext cx="11393714" cy="5064803"/>
           </a:xfrm>
           <a:prstGeom prst="rect">
             <a:avLst/>
@@ -3689,7 +3691,7 @@
             <a:fld id="{DA3380A9-99D8-412F-8F98-2C2792A83619}" type="datetime1">
               <a:rPr lang="en-US" smtClean="0"/>
               <a:pPr/>
-              <a:t>8/1/2018</a:t>
+              <a:t>8/11/2018</a:t>
             </a:fld>
             <a:endParaRPr lang="en-US" dirty="0"/>
           </a:p>
@@ -3815,27 +3817,70 @@
           </a:fontRef>
         </p:style>
       </p:cxnSp>
+      <p:pic>
+        <p:nvPicPr>
+          <p:cNvPr id="10" name="Picture 9" descr="A close up of a sign&#10;&#10;Description generated with very high confidence">
+            <a:extLst>
+              <a:ext uri="{FF2B5EF4-FFF2-40B4-BE49-F238E27FC236}">
+                <a16:creationId xmlns:a16="http://schemas.microsoft.com/office/drawing/2014/main" id="{6D9D6532-6138-406D-8115-7BAFD8D73FEB}"/>
+              </a:ext>
+            </a:extLst>
+          </p:cNvPr>
+          <p:cNvPicPr>
+            <a:picLocks noChangeAspect="1"/>
+          </p:cNvPicPr>
+          <p:nvPr/>
+        </p:nvPicPr>
+        <p:blipFill>
+          <a:blip r:embed="rId16">
+            <a:duotone>
+              <a:schemeClr val="bg2">
+                <a:shade val="45000"/>
+                <a:satMod val="135000"/>
+              </a:schemeClr>
+              <a:prstClr val="white"/>
+            </a:duotone>
+            <a:extLst>
+              <a:ext uri="{28A0092B-C50C-407E-A947-70E740481C1C}">
+                <a14:useLocalDpi xmlns:a14="http://schemas.microsoft.com/office/drawing/2010/main" val="0"/>
+              </a:ext>
+            </a:extLst>
+          </a:blip>
+          <a:stretch>
+            <a:fillRect/>
+          </a:stretch>
+        </p:blipFill>
+        <p:spPr>
+          <a:xfrm>
+            <a:off x="10634133" y="96294"/>
+            <a:ext cx="1165981" cy="1229580"/>
+          </a:xfrm>
+          <a:prstGeom prst="rect">
+            <a:avLst/>
+          </a:prstGeom>
+        </p:spPr>
+      </p:pic>
     </p:spTree>
     <p:extLst>
       <p:ext uri="{BB962C8B-B14F-4D97-AF65-F5344CB8AC3E}">
-        <p14:creationId xmlns:p14="http://schemas.microsoft.com/office/powerpoint/2010/main" val="1847959220"/>
+        <p14:creationId xmlns:p14="http://schemas.microsoft.com/office/powerpoint/2010/main" val="1379782340"/>
       </p:ext>
     </p:extLst>
   </p:cSld>
   <p:clrMap bg1="lt1" tx1="dk1" bg2="lt2" tx2="dk2" accent1="accent1" accent2="accent2" accent3="accent3" accent4="accent4" accent5="accent5" accent6="accent6" hlink="hlink" folHlink="folHlink"/>
   <p:sldLayoutIdLst>
-    <p:sldLayoutId id="2147483662" r:id="rId1"/>
-    <p:sldLayoutId id="2147483663" r:id="rId2"/>
-    <p:sldLayoutId id="2147483664" r:id="rId3"/>
-    <p:sldLayoutId id="2147483665" r:id="rId4"/>
-    <p:sldLayoutId id="2147483666" r:id="rId5"/>
-    <p:sldLayoutId id="2147483667" r:id="rId6"/>
-    <p:sldLayoutId id="2147483668" r:id="rId7"/>
-    <p:sldLayoutId id="2147483669" r:id="rId8"/>
-    <p:sldLayoutId id="2147483670" r:id="rId9"/>
-    <p:sldLayoutId id="2147483671" r:id="rId10"/>
-    <p:sldLayoutId id="2147483672" r:id="rId11"/>
-    <p:sldLayoutId id="2147483673" r:id="rId12"/>
+    <p:sldLayoutId id="2147483675" r:id="rId1"/>
+    <p:sldLayoutId id="2147483676" r:id="rId2"/>
+    <p:sldLayoutId id="2147483677" r:id="rId3"/>
+    <p:sldLayoutId id="2147483678" r:id="rId4"/>
+    <p:sldLayoutId id="2147483679" r:id="rId5"/>
+    <p:sldLayoutId id="2147483680" r:id="rId6"/>
+    <p:sldLayoutId id="2147483681" r:id="rId7"/>
+    <p:sldLayoutId id="2147483682" r:id="rId8"/>
+    <p:sldLayoutId id="2147483683" r:id="rId9"/>
+    <p:sldLayoutId id="2147483684" r:id="rId10"/>
+    <p:sldLayoutId id="2147483685" r:id="rId11"/>
+    <p:sldLayoutId id="2147483686" r:id="rId12"/>
   </p:sldLayoutIdLst>
   <p:hf hdr="0"/>
   <p:txStyles>
@@ -5067,7 +5112,7 @@
           <a:p>
             <a:fld id="{E7244459-F2A5-4FF9-8125-3DD79827DEF5}" type="datetime1">
               <a:rPr lang="en-US" smtClean="0"/>
-              <a:t>8/1/2018</a:t>
+              <a:t>8/11/2018</a:t>
             </a:fld>
             <a:endParaRPr lang="en-US" dirty="0"/>
           </a:p>
@@ -5690,7 +5735,7 @@
           <a:p>
             <a:fld id="{E7244459-F2A5-4FF9-8125-3DD79827DEF5}" type="datetime1">
               <a:rPr lang="en-US" smtClean="0"/>
-              <a:t>8/1/2018</a:t>
+              <a:t>8/11/2018</a:t>
             </a:fld>
             <a:endParaRPr lang="en-US" dirty="0"/>
           </a:p>
@@ -6092,7 +6137,7 @@
           <a:p>
             <a:fld id="{E7244459-F2A5-4FF9-8125-3DD79827DEF5}" type="datetime1">
               <a:rPr lang="en-US" smtClean="0"/>
-              <a:t>8/1/2018</a:t>
+              <a:t>8/11/2018</a:t>
             </a:fld>
             <a:endParaRPr lang="en-US" dirty="0"/>
           </a:p>
@@ -7016,7 +7061,7 @@
           <a:p>
             <a:fld id="{E7244459-F2A5-4FF9-8125-3DD79827DEF5}" type="datetime1">
               <a:rPr lang="en-US" smtClean="0"/>
-              <a:t>8/1/2018</a:t>
+              <a:t>8/11/2018</a:t>
             </a:fld>
             <a:endParaRPr lang="en-US" dirty="0"/>
           </a:p>
@@ -7172,7 +7217,7 @@
           <a:p>
             <a:fld id="{E7244459-F2A5-4FF9-8125-3DD79827DEF5}" type="datetime1">
               <a:rPr lang="en-US" smtClean="0"/>
-              <a:t>8/1/2018</a:t>
+              <a:t>8/11/2018</a:t>
             </a:fld>
             <a:endParaRPr lang="en-US" dirty="0"/>
           </a:p>
@@ -8451,7 +8496,7 @@
           <a:p>
             <a:fld id="{E7244459-F2A5-4FF9-8125-3DD79827DEF5}" type="datetime1">
               <a:rPr lang="en-US" smtClean="0"/>
-              <a:t>8/1/2018</a:t>
+              <a:t>8/11/2018</a:t>
             </a:fld>
             <a:endParaRPr lang="en-US" dirty="0"/>
           </a:p>
@@ -9813,7 +9858,7 @@
           <a:p>
             <a:fld id="{E7244459-F2A5-4FF9-8125-3DD79827DEF5}" type="datetime1">
               <a:rPr lang="en-US" smtClean="0"/>
-              <a:t>8/1/2018</a:t>
+              <a:t>8/11/2018</a:t>
             </a:fld>
             <a:endParaRPr lang="en-US" dirty="0"/>
           </a:p>
@@ -11330,7 +11375,7 @@
           <a:p>
             <a:fld id="{E7244459-F2A5-4FF9-8125-3DD79827DEF5}" type="datetime1">
               <a:rPr lang="en-US" smtClean="0"/>
-              <a:t>8/1/2018</a:t>
+              <a:t>8/11/2018</a:t>
             </a:fld>
             <a:endParaRPr lang="en-US" dirty="0"/>
           </a:p>
@@ -14541,7 +14586,7 @@
           <a:p>
             <a:fld id="{E7244459-F2A5-4FF9-8125-3DD79827DEF5}" type="datetime1">
               <a:rPr lang="en-US" smtClean="0"/>
-              <a:t>8/1/2018</a:t>
+              <a:t>8/11/2018</a:t>
             </a:fld>
             <a:endParaRPr lang="en-US" dirty="0"/>
           </a:p>
@@ -14777,7 +14822,7 @@
             <a:fld id="{13570084-B57A-493D-8A30-572F2D9F55F8}" type="datetime1">
               <a:rPr lang="en-US" smtClean="0"/>
               <a:pPr/>
-              <a:t>8/1/2018</a:t>
+              <a:t>8/11/2018</a:t>
             </a:fld>
             <a:endParaRPr lang="en-US" dirty="0"/>
           </a:p>
@@ -14911,7 +14956,7 @@
         </p:spPr>
         <p:txBody>
           <a:bodyPr>
-            <a:normAutofit fontScale="85000" lnSpcReduction="10000"/>
+            <a:normAutofit fontScale="92500" lnSpcReduction="10000"/>
           </a:bodyPr>
           <a:lstStyle/>
           <a:p>
@@ -14989,7 +15034,7 @@
         <p:spPr/>
         <p:txBody>
           <a:bodyPr>
-            <a:normAutofit fontScale="85000" lnSpcReduction="10000"/>
+            <a:normAutofit fontScale="92500" lnSpcReduction="10000"/>
           </a:bodyPr>
           <a:lstStyle/>
           <a:p>
@@ -15060,7 +15105,7 @@
             <a:fld id="{13570084-B57A-493D-8A30-572F2D9F55F8}" type="datetime1">
               <a:rPr lang="en-US" smtClean="0"/>
               <a:pPr/>
-              <a:t>8/1/2018</a:t>
+              <a:t>8/11/2018</a:t>
             </a:fld>
             <a:endParaRPr lang="en-US" dirty="0"/>
           </a:p>
@@ -15277,7 +15322,7 @@
           <a:p>
             <a:fld id="{E7244459-F2A5-4FF9-8125-3DD79827DEF5}" type="datetime1">
               <a:rPr lang="en-US" smtClean="0"/>
-              <a:t>8/1/2018</a:t>
+              <a:t>8/11/2018</a:t>
             </a:fld>
             <a:endParaRPr lang="en-US" dirty="0"/>
           </a:p>
@@ -15649,7 +15694,7 @@
           <a:p>
             <a:fld id="{E7244459-F2A5-4FF9-8125-3DD79827DEF5}" type="datetime1">
               <a:rPr lang="en-US" smtClean="0"/>
-              <a:t>8/1/2018</a:t>
+              <a:t>8/11/2018</a:t>
             </a:fld>
             <a:endParaRPr lang="en-US" dirty="0"/>
           </a:p>
@@ -15793,7 +15838,7 @@
         <p:spPr/>
         <p:txBody>
           <a:bodyPr>
-            <a:normAutofit fontScale="62500" lnSpcReduction="20000"/>
+            <a:normAutofit fontScale="70000" lnSpcReduction="20000"/>
           </a:bodyPr>
           <a:lstStyle/>
           <a:p>
@@ -15857,8 +15902,8 @@
           </a:p>
         </p:txBody>
       </p:sp>
-      <mc:AlternateContent xmlns:mc="http://schemas.openxmlformats.org/markup-compatibility/2006" xmlns:a14="http://schemas.microsoft.com/office/drawing/2010/main">
-        <mc:Choice Requires="a14">
+      <mc:AlternateContent xmlns:mc="http://schemas.openxmlformats.org/markup-compatibility/2006">
+        <mc:Choice xmlns:a14="http://schemas.microsoft.com/office/drawing/2010/main" Requires="a14">
           <p:sp>
             <p:nvSpPr>
               <p:cNvPr id="4" name="Content Placeholder 3">
@@ -15878,7 +15923,7 @@
             <p:spPr/>
             <p:txBody>
               <a:bodyPr>
-                <a:normAutofit fontScale="62500" lnSpcReduction="20000"/>
+                <a:normAutofit fontScale="70000" lnSpcReduction="20000"/>
               </a:bodyPr>
               <a:lstStyle/>
               <a:p>
@@ -16042,7 +16087,7 @@
             </p:txBody>
           </p:sp>
         </mc:Choice>
-        <mc:Fallback xmlns="">
+        <mc:Fallback>
           <p:sp>
             <p:nvSpPr>
               <p:cNvPr id="4" name="Content Placeholder 3">
@@ -16063,7 +16108,7 @@
               <a:blipFill>
                 <a:blip r:embed="rId2"/>
                 <a:stretch>
-                  <a:fillRect l="-1059" t="-2241" r="-588"/>
+                  <a:fillRect l="-1114" t="-2174" r="-668"/>
                 </a:stretch>
               </a:blipFill>
             </p:spPr>
@@ -16105,7 +16150,7 @@
           <a:p>
             <a:fld id="{E7244459-F2A5-4FF9-8125-3DD79827DEF5}" type="datetime1">
               <a:rPr lang="en-US" smtClean="0"/>
-              <a:t>8/1/2018</a:t>
+              <a:t>8/11/2018</a:t>
             </a:fld>
             <a:endParaRPr lang="en-US" dirty="0"/>
           </a:p>
@@ -16290,7 +16335,7 @@
           <a:p>
             <a:fld id="{E7244459-F2A5-4FF9-8125-3DD79827DEF5}" type="datetime1">
               <a:rPr lang="en-US" smtClean="0"/>
-              <a:t>8/1/2018</a:t>
+              <a:t>8/11/2018</a:t>
             </a:fld>
             <a:endParaRPr lang="en-US" dirty="0"/>
           </a:p>
@@ -17848,7 +17893,7 @@
           <a:p>
             <a:fld id="{E7244459-F2A5-4FF9-8125-3DD79827DEF5}" type="datetime1">
               <a:rPr lang="en-US" smtClean="0"/>
-              <a:t>8/1/2018</a:t>
+              <a:t>8/11/2018</a:t>
             </a:fld>
             <a:endParaRPr lang="en-US" dirty="0"/>
           </a:p>
@@ -18069,7 +18114,7 @@
           <a:p>
             <a:fld id="{E7244459-F2A5-4FF9-8125-3DD79827DEF5}" type="datetime1">
               <a:rPr lang="en-US" smtClean="0"/>
-              <a:t>8/1/2018</a:t>
+              <a:t>8/11/2018</a:t>
             </a:fld>
             <a:endParaRPr lang="en-US" dirty="0"/>
           </a:p>
@@ -18796,7 +18841,7 @@
           <a:p>
             <a:fld id="{E7244459-F2A5-4FF9-8125-3DD79827DEF5}" type="datetime1">
               <a:rPr lang="en-US" smtClean="0"/>
-              <a:t>8/1/2018</a:t>
+              <a:t>8/11/2018</a:t>
             </a:fld>
             <a:endParaRPr lang="en-US" dirty="0"/>
           </a:p>
@@ -19116,7 +19161,7 @@
   <a:extraClrSchemeLst/>
   <a:extLst>
     <a:ext uri="{05A4C25C-085E-4340-85A3-A5531E510DB2}">
-      <thm15:themeFamily xmlns:thm15="http://schemas.microsoft.com/office/thememl/2012/main" name="Lesson 12 - Data Analytics - GLMs" id="{2D671843-01B0-4809-83B7-DCD6022711AC}" vid="{631529AC-459A-4F8A-9050-54C0368E42C7}"/>
+      <thm15:themeFamily xmlns:thm15="http://schemas.microsoft.com/office/thememl/2012/main" name="Analytics_World" id="{0D0CA6F4-4249-491F-90A1-38D2E759BAFB}" vid="{73C02A8C-8EF0-4E7B-9EF2-CA7EFEB1E564}"/>
     </a:ext>
   </a:extLst>
 </a:theme>
